--- a/slides/4_DataClean_SyndromicSurveillance_LiberiaMOH.pptx
+++ b/slides/4_DataClean_SyndromicSurveillance_LiberiaMOH.pptx
@@ -236,7 +236,7 @@
           <a:p>
             <a:fld id="{0ED9FF8E-10DD-42A2-AD1E-4459247DEB72}" type="datetimeFigureOut">
               <a:rPr lang="en-US" smtClean="0"/>
-              <a:t>11/29/2024</a:t>
+              <a:t>12/8/2024</a:t>
             </a:fld>
             <a:endParaRPr lang="en-US"/>
           </a:p>
@@ -5191,36 +5191,6 @@
           </a:p>
         </p:txBody>
       </p:sp>
-      <p:pic>
-        <p:nvPicPr>
-          <p:cNvPr id="12" name="Picture 11"/>
-          <p:cNvPicPr>
-            <a:picLocks noChangeAspect="1"/>
-          </p:cNvPicPr>
-          <p:nvPr userDrawn="1"/>
-        </p:nvPicPr>
-        <p:blipFill>
-          <a:blip r:embed="rId14">
-            <a:extLst>
-              <a:ext uri="{28A0092B-C50C-407E-A947-70E740481C1C}">
-                <a14:useLocalDpi xmlns:a14="http://schemas.microsoft.com/office/drawing/2010/main" val="0"/>
-              </a:ext>
-            </a:extLst>
-          </a:blip>
-          <a:stretch>
-            <a:fillRect/>
-          </a:stretch>
-        </p:blipFill>
-        <p:spPr>
-          <a:xfrm>
-            <a:off x="8305801" y="6228776"/>
-            <a:ext cx="3027034" cy="558056"/>
-          </a:xfrm>
-          <a:prstGeom prst="rect">
-            <a:avLst/>
-          </a:prstGeom>
-        </p:spPr>
-      </p:pic>
     </p:spTree>
     <p:extLst>
       <p:ext uri="{BB962C8B-B14F-4D97-AF65-F5344CB8AC3E}">
